--- a/docs/Building an AI-Ready Code Graph RAG based on Clangd.pptx
+++ b/docs/Building an AI-Ready Code Graph RAG based on Clangd.pptx
@@ -134,6 +134,11 @@
       </a:defRPr>
     </a:lvl9pPr>
   </p:defaultTextStyle>
+  <p:extLst>
+    <p:ext uri="{EFAFB233-063F-42B5-8137-9DF3F51BA10A}">
+      <p15:sldGuideLst xmlns:p15="http://schemas.microsoft.com/office/powerpoint/2012/main"/>
+    </p:ext>
+  </p:extLst>
 </p:presentation>
 </file>
 
@@ -3900,12 +3905,20 @@
         </p:nvSpPr>
         <p:spPr/>
         <p:txBody>
-          <a:bodyPr/>
-          <a:lstStyle/>
-          <a:p>
-            <a:r>
-              <a:rPr lang="en-US" dirty="0"/>
-              <a:t>Mason Li</a:t>
+          <a:bodyPr>
+            <a:normAutofit lnSpcReduction="10000"/>
+          </a:bodyPr>
+          <a:lstStyle/>
+          <a:p>
+            <a:r>
+              <a:rPr lang="en-US" dirty="0"/>
+              <a:t>Xiao-Feng Li </a:t>
+            </a:r>
+          </a:p>
+          <a:p>
+            <a:r>
+              <a:rPr lang="en-US" dirty="0"/>
+              <a:t>xli@apache.org</a:t>
             </a:r>
           </a:p>
           <a:p>
